--- a/documentatie/Battle ships Pitch.pptx
+++ b/documentatie/Battle ships Pitch.pptx
@@ -276,7 +276,7 @@
           <a:p>
             <a:fld id="{5FDC18CF-9CA2-4A52-9C3D-2616DDDAF483}" type="datetimeFigureOut">
               <a:rPr lang="en-GB" smtClean="0"/>
-              <a:t>12/11/2019</a:t>
+              <a:t>14/11/2019</a:t>
             </a:fld>
             <a:endParaRPr lang="en-GB"/>
           </a:p>
@@ -504,7 +504,7 @@
           <a:p>
             <a:fld id="{5FDC18CF-9CA2-4A52-9C3D-2616DDDAF483}" type="datetimeFigureOut">
               <a:rPr lang="en-GB" smtClean="0"/>
-              <a:t>12/11/2019</a:t>
+              <a:t>14/11/2019</a:t>
             </a:fld>
             <a:endParaRPr lang="en-GB"/>
           </a:p>
@@ -684,7 +684,7 @@
           <a:p>
             <a:fld id="{5FDC18CF-9CA2-4A52-9C3D-2616DDDAF483}" type="datetimeFigureOut">
               <a:rPr lang="en-GB" smtClean="0"/>
-              <a:t>12/11/2019</a:t>
+              <a:t>14/11/2019</a:t>
             </a:fld>
             <a:endParaRPr lang="en-GB"/>
           </a:p>
@@ -854,7 +854,7 @@
           <a:p>
             <a:fld id="{5FDC18CF-9CA2-4A52-9C3D-2616DDDAF483}" type="datetimeFigureOut">
               <a:rPr lang="en-GB" smtClean="0"/>
-              <a:t>12/11/2019</a:t>
+              <a:t>14/11/2019</a:t>
             </a:fld>
             <a:endParaRPr lang="en-GB"/>
           </a:p>
@@ -1108,7 +1108,7 @@
           <a:p>
             <a:fld id="{5FDC18CF-9CA2-4A52-9C3D-2616DDDAF483}" type="datetimeFigureOut">
               <a:rPr lang="en-GB" smtClean="0"/>
-              <a:t>12/11/2019</a:t>
+              <a:t>14/11/2019</a:t>
             </a:fld>
             <a:endParaRPr lang="en-GB"/>
           </a:p>
@@ -1434,7 +1434,7 @@
           <a:p>
             <a:fld id="{5FDC18CF-9CA2-4A52-9C3D-2616DDDAF483}" type="datetimeFigureOut">
               <a:rPr lang="en-GB" smtClean="0"/>
-              <a:t>12/11/2019</a:t>
+              <a:t>14/11/2019</a:t>
             </a:fld>
             <a:endParaRPr lang="en-GB"/>
           </a:p>
@@ -1885,7 +1885,7 @@
           <a:p>
             <a:fld id="{5FDC18CF-9CA2-4A52-9C3D-2616DDDAF483}" type="datetimeFigureOut">
               <a:rPr lang="en-GB" smtClean="0"/>
-              <a:t>12/11/2019</a:t>
+              <a:t>14/11/2019</a:t>
             </a:fld>
             <a:endParaRPr lang="en-GB"/>
           </a:p>
@@ -2003,7 +2003,7 @@
           <a:p>
             <a:fld id="{5FDC18CF-9CA2-4A52-9C3D-2616DDDAF483}" type="datetimeFigureOut">
               <a:rPr lang="en-GB" smtClean="0"/>
-              <a:t>12/11/2019</a:t>
+              <a:t>14/11/2019</a:t>
             </a:fld>
             <a:endParaRPr lang="en-GB"/>
           </a:p>
@@ -2098,7 +2098,7 @@
           <a:p>
             <a:fld id="{5FDC18CF-9CA2-4A52-9C3D-2616DDDAF483}" type="datetimeFigureOut">
               <a:rPr lang="en-GB" smtClean="0"/>
-              <a:t>12/11/2019</a:t>
+              <a:t>14/11/2019</a:t>
             </a:fld>
             <a:endParaRPr lang="en-GB"/>
           </a:p>
@@ -2385,7 +2385,7 @@
           <a:p>
             <a:fld id="{5FDC18CF-9CA2-4A52-9C3D-2616DDDAF483}" type="datetimeFigureOut">
               <a:rPr lang="en-GB" smtClean="0"/>
-              <a:t>12/11/2019</a:t>
+              <a:t>14/11/2019</a:t>
             </a:fld>
             <a:endParaRPr lang="en-GB"/>
           </a:p>
@@ -2707,7 +2707,7 @@
           <a:p>
             <a:fld id="{5FDC18CF-9CA2-4A52-9C3D-2616DDDAF483}" type="datetimeFigureOut">
               <a:rPr lang="en-GB" smtClean="0"/>
-              <a:t>12/11/2019</a:t>
+              <a:t>14/11/2019</a:t>
             </a:fld>
             <a:endParaRPr lang="en-GB"/>
           </a:p>
@@ -2961,7 +2961,7 @@
           <a:p>
             <a:fld id="{5FDC18CF-9CA2-4A52-9C3D-2616DDDAF483}" type="datetimeFigureOut">
               <a:rPr lang="en-GB" smtClean="0"/>
-              <a:t>12/11/2019</a:t>
+              <a:t>14/11/2019</a:t>
             </a:fld>
             <a:endParaRPr lang="en-GB"/>
           </a:p>
@@ -4106,14 +4106,11 @@
               <a:rPr lang="nl-NL" dirty="0">
                 <a:latin typeface="Montserrat Thin" panose="00000300000000000000" pitchFamily="50" charset="0"/>
               </a:rPr>
-              <a:t>Git</a:t>
-            </a:r>
-            <a:r>
-              <a:rPr lang="en-GB" dirty="0">
-                <a:latin typeface="Montserrat Thin" panose="00000300000000000000" pitchFamily="50" charset="0"/>
-              </a:rPr>
-              <a:t>(kraken)</a:t>
-            </a:r>
+              <a:t>GitHub / Git Kraken</a:t>
+            </a:r>
+            <a:endParaRPr lang="en-GB" dirty="0">
+              <a:latin typeface="Montserrat Thin" panose="00000300000000000000" pitchFamily="50" charset="0"/>
+            </a:endParaRPr>
           </a:p>
           <a:p>
             <a:r>
@@ -4227,10 +4224,10 @@
       </p:pic>
       <p:pic>
         <p:nvPicPr>
-          <p:cNvPr id="1032" name="Picture 8" descr="Afbeeldingsresultaat voor git logo">
+          <p:cNvPr id="1034" name="Picture 10" descr="Afbeeldingsresultaat voor visual studio logo">
             <a:extLst>
               <a:ext uri="{FF2B5EF4-FFF2-40B4-BE49-F238E27FC236}">
-                <a16:creationId xmlns:a16="http://schemas.microsoft.com/office/drawing/2014/main" id="{C5161085-6BF3-45B5-9103-180E0FF5B83E}"/>
+                <a16:creationId xmlns:a16="http://schemas.microsoft.com/office/drawing/2014/main" id="{55C245D6-A625-43EF-A759-C9A09335BBAB}"/>
               </a:ext>
             </a:extLst>
           </p:cNvPr>
@@ -4254,8 +4251,8 @@
         </p:blipFill>
         <p:spPr bwMode="auto">
           <a:xfrm>
-            <a:off x="4885304" y="4533932"/>
-            <a:ext cx="2445776" cy="1021313"/>
+            <a:off x="6960308" y="3824710"/>
+            <a:ext cx="3813110" cy="640483"/>
           </a:xfrm>
           <a:prstGeom prst="rect">
             <a:avLst/>
@@ -4274,10 +4271,10 @@
       </p:pic>
       <p:pic>
         <p:nvPicPr>
-          <p:cNvPr id="1034" name="Picture 10" descr="Afbeeldingsresultaat voor visual studio logo">
+          <p:cNvPr id="4" name="Picture 2" descr="Afbeeldingsresultaat voor github logo">
             <a:extLst>
               <a:ext uri="{FF2B5EF4-FFF2-40B4-BE49-F238E27FC236}">
-                <a16:creationId xmlns:a16="http://schemas.microsoft.com/office/drawing/2014/main" id="{55C245D6-A625-43EF-A759-C9A09335BBAB}"/>
+                <a16:creationId xmlns:a16="http://schemas.microsoft.com/office/drawing/2014/main" id="{10E5CBD5-1B4E-4BC6-A6F7-B50752A421DC}"/>
               </a:ext>
             </a:extLst>
           </p:cNvPr>
@@ -4301,8 +4298,8 @@
         </p:blipFill>
         <p:spPr bwMode="auto">
           <a:xfrm>
-            <a:off x="6960308" y="3824710"/>
-            <a:ext cx="3813110" cy="640483"/>
+            <a:off x="4868779" y="3824710"/>
+            <a:ext cx="2292700" cy="2070764"/>
           </a:xfrm>
           <a:prstGeom prst="rect">
             <a:avLst/>
